--- a/Sketch/Games/Genius.pptx
+++ b/Sketch/Games/Genius.pptx
@@ -288,7 +288,7 @@
           <a:p>
             <a:fld id="{75B20571-2690-407F-AF9A-859298E1871F}" type="datetimeFigureOut">
               <a:rPr lang="pt-BR" smtClean="0"/>
-              <a:t>18/11/2019</a:t>
+              <a:t>21/11/2019</a:t>
             </a:fld>
             <a:endParaRPr lang="pt-BR"/>
           </a:p>
@@ -458,7 +458,7 @@
           <a:p>
             <a:fld id="{75B20571-2690-407F-AF9A-859298E1871F}" type="datetimeFigureOut">
               <a:rPr lang="pt-BR" smtClean="0"/>
-              <a:t>18/11/2019</a:t>
+              <a:t>21/11/2019</a:t>
             </a:fld>
             <a:endParaRPr lang="pt-BR"/>
           </a:p>
@@ -638,7 +638,7 @@
           <a:p>
             <a:fld id="{75B20571-2690-407F-AF9A-859298E1871F}" type="datetimeFigureOut">
               <a:rPr lang="pt-BR" smtClean="0"/>
-              <a:t>18/11/2019</a:t>
+              <a:t>21/11/2019</a:t>
             </a:fld>
             <a:endParaRPr lang="pt-BR"/>
           </a:p>
@@ -808,7 +808,7 @@
           <a:p>
             <a:fld id="{75B20571-2690-407F-AF9A-859298E1871F}" type="datetimeFigureOut">
               <a:rPr lang="pt-BR" smtClean="0"/>
-              <a:t>18/11/2019</a:t>
+              <a:t>21/11/2019</a:t>
             </a:fld>
             <a:endParaRPr lang="pt-BR"/>
           </a:p>
@@ -1054,7 +1054,7 @@
           <a:p>
             <a:fld id="{75B20571-2690-407F-AF9A-859298E1871F}" type="datetimeFigureOut">
               <a:rPr lang="pt-BR" smtClean="0"/>
-              <a:t>18/11/2019</a:t>
+              <a:t>21/11/2019</a:t>
             </a:fld>
             <a:endParaRPr lang="pt-BR"/>
           </a:p>
@@ -1342,7 +1342,7 @@
           <a:p>
             <a:fld id="{75B20571-2690-407F-AF9A-859298E1871F}" type="datetimeFigureOut">
               <a:rPr lang="pt-BR" smtClean="0"/>
-              <a:t>18/11/2019</a:t>
+              <a:t>21/11/2019</a:t>
             </a:fld>
             <a:endParaRPr lang="pt-BR"/>
           </a:p>
@@ -1764,7 +1764,7 @@
           <a:p>
             <a:fld id="{75B20571-2690-407F-AF9A-859298E1871F}" type="datetimeFigureOut">
               <a:rPr lang="pt-BR" smtClean="0"/>
-              <a:t>18/11/2019</a:t>
+              <a:t>21/11/2019</a:t>
             </a:fld>
             <a:endParaRPr lang="pt-BR"/>
           </a:p>
@@ -1882,7 +1882,7 @@
           <a:p>
             <a:fld id="{75B20571-2690-407F-AF9A-859298E1871F}" type="datetimeFigureOut">
               <a:rPr lang="pt-BR" smtClean="0"/>
-              <a:t>18/11/2019</a:t>
+              <a:t>21/11/2019</a:t>
             </a:fld>
             <a:endParaRPr lang="pt-BR"/>
           </a:p>
@@ -1977,7 +1977,7 @@
           <a:p>
             <a:fld id="{75B20571-2690-407F-AF9A-859298E1871F}" type="datetimeFigureOut">
               <a:rPr lang="pt-BR" smtClean="0"/>
-              <a:t>18/11/2019</a:t>
+              <a:t>21/11/2019</a:t>
             </a:fld>
             <a:endParaRPr lang="pt-BR"/>
           </a:p>
@@ -2254,7 +2254,7 @@
           <a:p>
             <a:fld id="{75B20571-2690-407F-AF9A-859298E1871F}" type="datetimeFigureOut">
               <a:rPr lang="pt-BR" smtClean="0"/>
-              <a:t>18/11/2019</a:t>
+              <a:t>21/11/2019</a:t>
             </a:fld>
             <a:endParaRPr lang="pt-BR"/>
           </a:p>
@@ -2507,7 +2507,7 @@
           <a:p>
             <a:fld id="{75B20571-2690-407F-AF9A-859298E1871F}" type="datetimeFigureOut">
               <a:rPr lang="pt-BR" smtClean="0"/>
-              <a:t>18/11/2019</a:t>
+              <a:t>21/11/2019</a:t>
             </a:fld>
             <a:endParaRPr lang="pt-BR"/>
           </a:p>
@@ -2720,7 +2720,7 @@
           <a:p>
             <a:fld id="{75B20571-2690-407F-AF9A-859298E1871F}" type="datetimeFigureOut">
               <a:rPr lang="pt-BR" smtClean="0"/>
-              <a:t>18/11/2019</a:t>
+              <a:t>21/11/2019</a:t>
             </a:fld>
             <a:endParaRPr lang="pt-BR"/>
           </a:p>
@@ -3103,7 +3103,7 @@
         </p:nvGrpSpPr>
         <p:grpSpPr>
           <a:xfrm>
-            <a:off x="2979980" y="2638531"/>
+            <a:off x="1597772" y="1227352"/>
             <a:ext cx="1877283" cy="1877283"/>
             <a:chOff x="2666324" y="2283399"/>
             <a:chExt cx="1877283" cy="1877283"/>
@@ -3689,6 +3689,2558 @@
         <p:sp>
           <p:nvSpPr>
             <p:cNvPr id="151" name="Elipse 150"/>
+            <p:cNvSpPr/>
+            <p:nvPr/>
+          </p:nvSpPr>
+          <p:spPr>
+            <a:xfrm>
+              <a:off x="3433514" y="3144340"/>
+              <a:ext cx="88752" cy="88752"/>
+            </a:xfrm>
+            <a:prstGeom prst="ellipse">
+              <a:avLst/>
+            </a:prstGeom>
+            <a:solidFill>
+              <a:srgbClr val="FFFF00"/>
+            </a:solidFill>
+            <a:ln>
+              <a:noFill/>
+            </a:ln>
+          </p:spPr>
+          <p:style>
+            <a:lnRef idx="2">
+              <a:schemeClr val="accent1">
+                <a:shade val="50000"/>
+              </a:schemeClr>
+            </a:lnRef>
+            <a:fillRef idx="1">
+              <a:schemeClr val="accent1"/>
+            </a:fillRef>
+            <a:effectRef idx="0">
+              <a:schemeClr val="accent1"/>
+            </a:effectRef>
+            <a:fontRef idx="minor">
+              <a:schemeClr val="lt1"/>
+            </a:fontRef>
+          </p:style>
+          <p:txBody>
+            <a:bodyPr rtlCol="0" anchor="ctr"/>
+            <a:lstStyle/>
+            <a:p>
+              <a:pPr algn="ctr"/>
+              <a:endParaRPr lang="pt-BR"/>
+            </a:p>
+          </p:txBody>
+        </p:sp>
+      </p:grpSp>
+      <p:grpSp>
+        <p:nvGrpSpPr>
+          <p:cNvPr id="13" name="Grupo 12"/>
+          <p:cNvGrpSpPr/>
+          <p:nvPr/>
+        </p:nvGrpSpPr>
+        <p:grpSpPr>
+          <a:xfrm>
+            <a:off x="4757573" y="1194027"/>
+            <a:ext cx="1877283" cy="1877283"/>
+            <a:chOff x="2666324" y="2283399"/>
+            <a:chExt cx="1877283" cy="1877283"/>
+          </a:xfrm>
+        </p:grpSpPr>
+        <p:sp>
+          <p:nvSpPr>
+            <p:cNvPr id="14" name="Elipse 13"/>
+            <p:cNvSpPr/>
+            <p:nvPr/>
+          </p:nvSpPr>
+          <p:spPr>
+            <a:xfrm>
+              <a:off x="2666324" y="2283399"/>
+              <a:ext cx="1877283" cy="1877283"/>
+            </a:xfrm>
+            <a:prstGeom prst="ellipse">
+              <a:avLst/>
+            </a:prstGeom>
+            <a:solidFill>
+              <a:schemeClr val="tx1">
+                <a:lumMod val="65000"/>
+                <a:lumOff val="35000"/>
+              </a:schemeClr>
+            </a:solidFill>
+            <a:ln>
+              <a:solidFill>
+                <a:schemeClr val="tx1"/>
+              </a:solidFill>
+            </a:ln>
+          </p:spPr>
+          <p:style>
+            <a:lnRef idx="2">
+              <a:schemeClr val="accent1">
+                <a:shade val="50000"/>
+              </a:schemeClr>
+            </a:lnRef>
+            <a:fillRef idx="1">
+              <a:schemeClr val="accent1"/>
+            </a:fillRef>
+            <a:effectRef idx="0">
+              <a:schemeClr val="accent1"/>
+            </a:effectRef>
+            <a:fontRef idx="minor">
+              <a:schemeClr val="lt1"/>
+            </a:fontRef>
+          </p:style>
+          <p:txBody>
+            <a:bodyPr rtlCol="0" anchor="ctr"/>
+            <a:lstStyle/>
+            <a:p>
+              <a:pPr algn="ctr"/>
+              <a:endParaRPr lang="pt-BR"/>
+            </a:p>
+          </p:txBody>
+        </p:sp>
+        <p:sp>
+          <p:nvSpPr>
+            <p:cNvPr id="15" name="Elipse 113"/>
+            <p:cNvSpPr/>
+            <p:nvPr/>
+          </p:nvSpPr>
+          <p:spPr>
+            <a:xfrm>
+              <a:off x="3538795" y="3253214"/>
+              <a:ext cx="891858" cy="776887"/>
+            </a:xfrm>
+            <a:custGeom>
+              <a:avLst/>
+              <a:gdLst/>
+              <a:ahLst/>
+              <a:cxnLst/>
+              <a:rect l="l" t="t" r="r" b="b"/>
+              <a:pathLst>
+                <a:path w="891858" h="776887">
+                  <a:moveTo>
+                    <a:pt x="0" y="348726"/>
+                  </a:moveTo>
+                  <a:cubicBezTo>
+                    <a:pt x="797" y="349040"/>
+                    <a:pt x="1621" y="349151"/>
+                    <a:pt x="2447" y="349260"/>
+                  </a:cubicBezTo>
+                  <a:lnTo>
+                    <a:pt x="2447" y="365549"/>
+                  </a:lnTo>
+                  <a:cubicBezTo>
+                    <a:pt x="1377" y="359975"/>
+                    <a:pt x="550" y="354366"/>
+                    <a:pt x="0" y="348726"/>
+                  </a:cubicBezTo>
+                  <a:close/>
+                  <a:moveTo>
+                    <a:pt x="468982" y="0"/>
+                  </a:moveTo>
+                  <a:lnTo>
+                    <a:pt x="891858" y="0"/>
+                  </a:lnTo>
+                  <a:cubicBezTo>
+                    <a:pt x="869559" y="411550"/>
+                    <a:pt x="545760" y="742656"/>
+                    <a:pt x="137385" y="776887"/>
+                  </a:cubicBezTo>
+                  <a:lnTo>
+                    <a:pt x="137385" y="347445"/>
+                  </a:lnTo>
+                  <a:cubicBezTo>
+                    <a:pt x="310528" y="315720"/>
+                    <a:pt x="445649" y="175729"/>
+                    <a:pt x="468982" y="0"/>
+                  </a:cubicBezTo>
+                  <a:close/>
+                </a:path>
+              </a:pathLst>
+            </a:custGeom>
+            <a:solidFill>
+              <a:srgbClr val="004158"/>
+            </a:solidFill>
+            <a:ln>
+              <a:solidFill>
+                <a:schemeClr val="tx1">
+                  <a:lumMod val="75000"/>
+                  <a:lumOff val="25000"/>
+                </a:schemeClr>
+              </a:solidFill>
+            </a:ln>
+          </p:spPr>
+          <p:style>
+            <a:lnRef idx="2">
+              <a:schemeClr val="accent1">
+                <a:shade val="50000"/>
+              </a:schemeClr>
+            </a:lnRef>
+            <a:fillRef idx="1">
+              <a:schemeClr val="accent1"/>
+            </a:fillRef>
+            <a:effectRef idx="0">
+              <a:schemeClr val="accent1"/>
+            </a:effectRef>
+            <a:fontRef idx="minor">
+              <a:schemeClr val="lt1"/>
+            </a:fontRef>
+          </p:style>
+          <p:txBody>
+            <a:bodyPr rtlCol="0" anchor="ctr"/>
+            <a:lstStyle/>
+            <a:p>
+              <a:pPr algn="ctr"/>
+              <a:endParaRPr lang="pt-BR"/>
+            </a:p>
+          </p:txBody>
+        </p:sp>
+        <p:sp>
+          <p:nvSpPr>
+            <p:cNvPr id="16" name="Elipse 113"/>
+            <p:cNvSpPr/>
+            <p:nvPr/>
+          </p:nvSpPr>
+          <p:spPr>
+            <a:xfrm>
+              <a:off x="3676180" y="2381109"/>
+              <a:ext cx="752196" cy="737167"/>
+            </a:xfrm>
+            <a:custGeom>
+              <a:avLst/>
+              <a:gdLst/>
+              <a:ahLst/>
+              <a:cxnLst/>
+              <a:rect l="l" t="t" r="r" b="b"/>
+              <a:pathLst>
+                <a:path w="752196" h="737167">
+                  <a:moveTo>
+                    <a:pt x="0" y="0"/>
+                  </a:moveTo>
+                  <a:cubicBezTo>
+                    <a:pt x="395166" y="33105"/>
+                    <a:pt x="711137" y="344225"/>
+                    <a:pt x="752196" y="737167"/>
+                  </a:cubicBezTo>
+                  <a:lnTo>
+                    <a:pt x="329858" y="737167"/>
+                  </a:lnTo>
+                  <a:cubicBezTo>
+                    <a:pt x="299374" y="569632"/>
+                    <a:pt x="167478" y="437634"/>
+                    <a:pt x="0" y="406968"/>
+                  </a:cubicBezTo>
+                  <a:close/>
+                </a:path>
+              </a:pathLst>
+            </a:custGeom>
+            <a:solidFill>
+              <a:srgbClr val="D73B3B"/>
+            </a:solidFill>
+            <a:ln>
+              <a:solidFill>
+                <a:schemeClr val="tx1">
+                  <a:lumMod val="75000"/>
+                  <a:lumOff val="25000"/>
+                </a:schemeClr>
+              </a:solidFill>
+            </a:ln>
+          </p:spPr>
+          <p:style>
+            <a:lnRef idx="2">
+              <a:schemeClr val="accent1">
+                <a:shade val="50000"/>
+              </a:schemeClr>
+            </a:lnRef>
+            <a:fillRef idx="1">
+              <a:schemeClr val="accent1"/>
+            </a:fillRef>
+            <a:effectRef idx="0">
+              <a:schemeClr val="accent1"/>
+            </a:effectRef>
+            <a:fontRef idx="minor">
+              <a:schemeClr val="lt1"/>
+            </a:fontRef>
+          </p:style>
+          <p:txBody>
+            <a:bodyPr rtlCol="0" anchor="ctr"/>
+            <a:lstStyle/>
+            <a:p>
+              <a:pPr algn="ctr"/>
+              <a:endParaRPr lang="pt-BR"/>
+            </a:p>
+          </p:txBody>
+        </p:sp>
+        <p:sp>
+          <p:nvSpPr>
+            <p:cNvPr id="17" name="Elipse 113"/>
+            <p:cNvSpPr/>
+            <p:nvPr/>
+          </p:nvSpPr>
+          <p:spPr>
+            <a:xfrm>
+              <a:off x="2779278" y="3253214"/>
+              <a:ext cx="761965" cy="777265"/>
+            </a:xfrm>
+            <a:custGeom>
+              <a:avLst/>
+              <a:gdLst/>
+              <a:ahLst/>
+              <a:cxnLst/>
+              <a:rect l="l" t="t" r="r" b="b"/>
+              <a:pathLst>
+                <a:path w="761965" h="777265">
+                  <a:moveTo>
+                    <a:pt x="0" y="0"/>
+                  </a:moveTo>
+                  <a:lnTo>
+                    <a:pt x="412364" y="0"/>
+                  </a:lnTo>
+                  <a:cubicBezTo>
+                    <a:pt x="436555" y="181728"/>
+                    <a:pt x="580184" y="325249"/>
+                    <a:pt x="761965" y="349260"/>
+                  </a:cubicBezTo>
+                  <a:lnTo>
+                    <a:pt x="761965" y="777265"/>
+                  </a:lnTo>
+                  <a:cubicBezTo>
+                    <a:pt x="350059" y="746692"/>
+                    <a:pt x="22442" y="414060"/>
+                    <a:pt x="0" y="0"/>
+                  </a:cubicBezTo>
+                  <a:close/>
+                </a:path>
+              </a:pathLst>
+            </a:custGeom>
+            <a:solidFill>
+              <a:srgbClr val="E0DC36"/>
+            </a:solidFill>
+            <a:ln>
+              <a:solidFill>
+                <a:schemeClr val="tx1">
+                  <a:lumMod val="75000"/>
+                  <a:lumOff val="25000"/>
+                </a:schemeClr>
+              </a:solidFill>
+            </a:ln>
+          </p:spPr>
+          <p:style>
+            <a:lnRef idx="2">
+              <a:schemeClr val="accent1">
+                <a:shade val="50000"/>
+              </a:schemeClr>
+            </a:lnRef>
+            <a:fillRef idx="1">
+              <a:schemeClr val="accent1"/>
+            </a:fillRef>
+            <a:effectRef idx="0">
+              <a:schemeClr val="accent1"/>
+            </a:effectRef>
+            <a:fontRef idx="minor">
+              <a:schemeClr val="lt1"/>
+            </a:fontRef>
+          </p:style>
+          <p:txBody>
+            <a:bodyPr rtlCol="0" anchor="ctr"/>
+            <a:lstStyle/>
+            <a:p>
+              <a:pPr algn="ctr"/>
+              <a:endParaRPr lang="pt-BR"/>
+            </a:p>
+          </p:txBody>
+        </p:sp>
+        <p:sp>
+          <p:nvSpPr>
+            <p:cNvPr id="18" name="Elipse 113"/>
+            <p:cNvSpPr/>
+            <p:nvPr/>
+          </p:nvSpPr>
+          <p:spPr>
+            <a:xfrm>
+              <a:off x="2781556" y="2380731"/>
+              <a:ext cx="759687" cy="737545"/>
+            </a:xfrm>
+            <a:custGeom>
+              <a:avLst/>
+              <a:gdLst/>
+              <a:ahLst/>
+              <a:cxnLst/>
+              <a:rect l="l" t="t" r="r" b="b"/>
+              <a:pathLst>
+                <a:path w="759687" h="737545">
+                  <a:moveTo>
+                    <a:pt x="759687" y="0"/>
+                  </a:moveTo>
+                  <a:lnTo>
+                    <a:pt x="759687" y="405531"/>
+                  </a:lnTo>
+                  <a:cubicBezTo>
+                    <a:pt x="583654" y="428726"/>
+                    <a:pt x="443410" y="564093"/>
+                    <a:pt x="411825" y="737545"/>
+                  </a:cubicBezTo>
+                  <a:lnTo>
+                    <a:pt x="0" y="737545"/>
+                  </a:lnTo>
+                  <a:cubicBezTo>
+                    <a:pt x="41318" y="342127"/>
+                    <a:pt x="361023" y="29565"/>
+                    <a:pt x="759687" y="0"/>
+                  </a:cubicBezTo>
+                  <a:close/>
+                </a:path>
+              </a:pathLst>
+            </a:custGeom>
+            <a:solidFill>
+              <a:srgbClr val="60D141"/>
+            </a:solidFill>
+            <a:ln>
+              <a:solidFill>
+                <a:schemeClr val="tx1">
+                  <a:lumMod val="75000"/>
+                  <a:lumOff val="25000"/>
+                </a:schemeClr>
+              </a:solidFill>
+            </a:ln>
+          </p:spPr>
+          <p:style>
+            <a:lnRef idx="2">
+              <a:schemeClr val="accent1">
+                <a:shade val="50000"/>
+              </a:schemeClr>
+            </a:lnRef>
+            <a:fillRef idx="1">
+              <a:schemeClr val="accent1"/>
+            </a:fillRef>
+            <a:effectRef idx="0">
+              <a:schemeClr val="accent1"/>
+            </a:effectRef>
+            <a:fontRef idx="minor">
+              <a:schemeClr val="lt1"/>
+            </a:fontRef>
+          </p:style>
+          <p:txBody>
+            <a:bodyPr rtlCol="0" anchor="ctr"/>
+            <a:lstStyle/>
+            <a:p>
+              <a:pPr algn="ctr"/>
+              <a:endParaRPr lang="pt-BR"/>
+            </a:p>
+          </p:txBody>
+        </p:sp>
+        <p:sp>
+          <p:nvSpPr>
+            <p:cNvPr id="19" name="Elipse 18"/>
+            <p:cNvSpPr/>
+            <p:nvPr/>
+          </p:nvSpPr>
+          <p:spPr>
+            <a:xfrm>
+              <a:off x="3284968" y="2889401"/>
+              <a:ext cx="632406" cy="632406"/>
+            </a:xfrm>
+            <a:prstGeom prst="ellipse">
+              <a:avLst/>
+            </a:prstGeom>
+            <a:solidFill>
+              <a:schemeClr val="bg1">
+                <a:lumMod val="85000"/>
+              </a:schemeClr>
+            </a:solidFill>
+            <a:ln>
+              <a:solidFill>
+                <a:schemeClr val="tx1">
+                  <a:lumMod val="65000"/>
+                  <a:lumOff val="35000"/>
+                </a:schemeClr>
+              </a:solidFill>
+            </a:ln>
+          </p:spPr>
+          <p:style>
+            <a:lnRef idx="2">
+              <a:schemeClr val="accent1">
+                <a:shade val="50000"/>
+              </a:schemeClr>
+            </a:lnRef>
+            <a:fillRef idx="1">
+              <a:schemeClr val="accent1"/>
+            </a:fillRef>
+            <a:effectRef idx="0">
+              <a:schemeClr val="accent1"/>
+            </a:effectRef>
+            <a:fontRef idx="minor">
+              <a:schemeClr val="lt1"/>
+            </a:fontRef>
+          </p:style>
+          <p:txBody>
+            <a:bodyPr rtlCol="0" anchor="ctr"/>
+            <a:lstStyle/>
+            <a:p>
+              <a:pPr algn="ctr"/>
+              <a:endParaRPr lang="pt-BR"/>
+            </a:p>
+          </p:txBody>
+        </p:sp>
+        <p:sp>
+          <p:nvSpPr>
+            <p:cNvPr id="20" name="Retângulo de cantos arredondados 19"/>
+            <p:cNvSpPr/>
+            <p:nvPr/>
+          </p:nvSpPr>
+          <p:spPr>
+            <a:xfrm>
+              <a:off x="3508624" y="3325541"/>
+              <a:ext cx="185093" cy="82407"/>
+            </a:xfrm>
+            <a:prstGeom prst="roundRect">
+              <a:avLst>
+                <a:gd name="adj" fmla="val 50000"/>
+              </a:avLst>
+            </a:prstGeom>
+            <a:solidFill>
+              <a:schemeClr val="tx1">
+                <a:lumMod val="85000"/>
+                <a:lumOff val="15000"/>
+              </a:schemeClr>
+            </a:solidFill>
+            <a:ln>
+              <a:noFill/>
+            </a:ln>
+          </p:spPr>
+          <p:style>
+            <a:lnRef idx="2">
+              <a:schemeClr val="accent1">
+                <a:shade val="50000"/>
+              </a:schemeClr>
+            </a:lnRef>
+            <a:fillRef idx="1">
+              <a:schemeClr val="accent1"/>
+            </a:fillRef>
+            <a:effectRef idx="0">
+              <a:schemeClr val="accent1"/>
+            </a:effectRef>
+            <a:fontRef idx="minor">
+              <a:schemeClr val="lt1"/>
+            </a:fontRef>
+          </p:style>
+          <p:txBody>
+            <a:bodyPr rtlCol="0" anchor="ctr"/>
+            <a:lstStyle/>
+            <a:p>
+              <a:pPr algn="ctr"/>
+              <a:endParaRPr lang="pt-BR"/>
+            </a:p>
+          </p:txBody>
+        </p:sp>
+        <p:sp>
+          <p:nvSpPr>
+            <p:cNvPr id="21" name="Elipse 20"/>
+            <p:cNvSpPr/>
+            <p:nvPr/>
+          </p:nvSpPr>
+          <p:spPr>
+            <a:xfrm>
+              <a:off x="3563615" y="3144340"/>
+              <a:ext cx="88752" cy="88752"/>
+            </a:xfrm>
+            <a:prstGeom prst="ellipse">
+              <a:avLst/>
+            </a:prstGeom>
+            <a:solidFill>
+              <a:srgbClr val="D73B3B"/>
+            </a:solidFill>
+            <a:ln>
+              <a:noFill/>
+            </a:ln>
+          </p:spPr>
+          <p:style>
+            <a:lnRef idx="2">
+              <a:schemeClr val="accent1">
+                <a:shade val="50000"/>
+              </a:schemeClr>
+            </a:lnRef>
+            <a:fillRef idx="1">
+              <a:schemeClr val="accent1"/>
+            </a:fillRef>
+            <a:effectRef idx="0">
+              <a:schemeClr val="accent1"/>
+            </a:effectRef>
+            <a:fontRef idx="minor">
+              <a:schemeClr val="lt1"/>
+            </a:fontRef>
+          </p:style>
+          <p:txBody>
+            <a:bodyPr rtlCol="0" anchor="ctr"/>
+            <a:lstStyle/>
+            <a:p>
+              <a:pPr algn="ctr"/>
+              <a:endParaRPr lang="pt-BR"/>
+            </a:p>
+          </p:txBody>
+        </p:sp>
+        <p:sp>
+          <p:nvSpPr>
+            <p:cNvPr id="22" name="Elipse 21"/>
+            <p:cNvSpPr/>
+            <p:nvPr/>
+          </p:nvSpPr>
+          <p:spPr>
+            <a:xfrm>
+              <a:off x="3693717" y="3145764"/>
+              <a:ext cx="88752" cy="88752"/>
+            </a:xfrm>
+            <a:prstGeom prst="ellipse">
+              <a:avLst/>
+            </a:prstGeom>
+            <a:solidFill>
+              <a:srgbClr val="00B0F0"/>
+            </a:solidFill>
+            <a:ln>
+              <a:noFill/>
+            </a:ln>
+          </p:spPr>
+          <p:style>
+            <a:lnRef idx="2">
+              <a:schemeClr val="accent1">
+                <a:shade val="50000"/>
+              </a:schemeClr>
+            </a:lnRef>
+            <a:fillRef idx="1">
+              <a:schemeClr val="accent1"/>
+            </a:fillRef>
+            <a:effectRef idx="0">
+              <a:schemeClr val="accent1"/>
+            </a:effectRef>
+            <a:fontRef idx="minor">
+              <a:schemeClr val="lt1"/>
+            </a:fontRef>
+          </p:style>
+          <p:txBody>
+            <a:bodyPr rtlCol="0" anchor="ctr"/>
+            <a:lstStyle/>
+            <a:p>
+              <a:pPr algn="ctr"/>
+              <a:endParaRPr lang="pt-BR"/>
+            </a:p>
+          </p:txBody>
+        </p:sp>
+        <p:sp>
+          <p:nvSpPr>
+            <p:cNvPr id="23" name="Elipse 22"/>
+            <p:cNvSpPr/>
+            <p:nvPr/>
+          </p:nvSpPr>
+          <p:spPr>
+            <a:xfrm>
+              <a:off x="3433514" y="3144340"/>
+              <a:ext cx="88752" cy="88752"/>
+            </a:xfrm>
+            <a:prstGeom prst="ellipse">
+              <a:avLst/>
+            </a:prstGeom>
+            <a:solidFill>
+              <a:srgbClr val="FFFF00"/>
+            </a:solidFill>
+            <a:ln>
+              <a:noFill/>
+            </a:ln>
+          </p:spPr>
+          <p:style>
+            <a:lnRef idx="2">
+              <a:schemeClr val="accent1">
+                <a:shade val="50000"/>
+              </a:schemeClr>
+            </a:lnRef>
+            <a:fillRef idx="1">
+              <a:schemeClr val="accent1"/>
+            </a:fillRef>
+            <a:effectRef idx="0">
+              <a:schemeClr val="accent1"/>
+            </a:effectRef>
+            <a:fontRef idx="minor">
+              <a:schemeClr val="lt1"/>
+            </a:fontRef>
+          </p:style>
+          <p:txBody>
+            <a:bodyPr rtlCol="0" anchor="ctr"/>
+            <a:lstStyle/>
+            <a:p>
+              <a:pPr algn="ctr"/>
+              <a:endParaRPr lang="pt-BR"/>
+            </a:p>
+          </p:txBody>
+        </p:sp>
+      </p:grpSp>
+      <p:grpSp>
+        <p:nvGrpSpPr>
+          <p:cNvPr id="24" name="Grupo 23"/>
+          <p:cNvGrpSpPr/>
+          <p:nvPr/>
+        </p:nvGrpSpPr>
+        <p:grpSpPr>
+          <a:xfrm>
+            <a:off x="1501430" y="3429000"/>
+            <a:ext cx="1877283" cy="1877283"/>
+            <a:chOff x="2666324" y="2283399"/>
+            <a:chExt cx="1877283" cy="1877283"/>
+          </a:xfrm>
+        </p:grpSpPr>
+        <p:sp>
+          <p:nvSpPr>
+            <p:cNvPr id="25" name="Elipse 24"/>
+            <p:cNvSpPr/>
+            <p:nvPr/>
+          </p:nvSpPr>
+          <p:spPr>
+            <a:xfrm>
+              <a:off x="2666324" y="2283399"/>
+              <a:ext cx="1877283" cy="1877283"/>
+            </a:xfrm>
+            <a:prstGeom prst="ellipse">
+              <a:avLst/>
+            </a:prstGeom>
+            <a:solidFill>
+              <a:schemeClr val="tx1">
+                <a:lumMod val="65000"/>
+                <a:lumOff val="35000"/>
+              </a:schemeClr>
+            </a:solidFill>
+            <a:ln>
+              <a:solidFill>
+                <a:schemeClr val="tx1"/>
+              </a:solidFill>
+            </a:ln>
+          </p:spPr>
+          <p:style>
+            <a:lnRef idx="2">
+              <a:schemeClr val="accent1">
+                <a:shade val="50000"/>
+              </a:schemeClr>
+            </a:lnRef>
+            <a:fillRef idx="1">
+              <a:schemeClr val="accent1"/>
+            </a:fillRef>
+            <a:effectRef idx="0">
+              <a:schemeClr val="accent1"/>
+            </a:effectRef>
+            <a:fontRef idx="minor">
+              <a:schemeClr val="lt1"/>
+            </a:fontRef>
+          </p:style>
+          <p:txBody>
+            <a:bodyPr rtlCol="0" anchor="ctr"/>
+            <a:lstStyle/>
+            <a:p>
+              <a:pPr algn="ctr"/>
+              <a:endParaRPr lang="pt-BR"/>
+            </a:p>
+          </p:txBody>
+        </p:sp>
+        <p:sp>
+          <p:nvSpPr>
+            <p:cNvPr id="26" name="Elipse 113"/>
+            <p:cNvSpPr/>
+            <p:nvPr/>
+          </p:nvSpPr>
+          <p:spPr>
+            <a:xfrm>
+              <a:off x="3538795" y="3253214"/>
+              <a:ext cx="891858" cy="776887"/>
+            </a:xfrm>
+            <a:custGeom>
+              <a:avLst/>
+              <a:gdLst/>
+              <a:ahLst/>
+              <a:cxnLst/>
+              <a:rect l="l" t="t" r="r" b="b"/>
+              <a:pathLst>
+                <a:path w="891858" h="776887">
+                  <a:moveTo>
+                    <a:pt x="0" y="348726"/>
+                  </a:moveTo>
+                  <a:cubicBezTo>
+                    <a:pt x="797" y="349040"/>
+                    <a:pt x="1621" y="349151"/>
+                    <a:pt x="2447" y="349260"/>
+                  </a:cubicBezTo>
+                  <a:lnTo>
+                    <a:pt x="2447" y="365549"/>
+                  </a:lnTo>
+                  <a:cubicBezTo>
+                    <a:pt x="1377" y="359975"/>
+                    <a:pt x="550" y="354366"/>
+                    <a:pt x="0" y="348726"/>
+                  </a:cubicBezTo>
+                  <a:close/>
+                  <a:moveTo>
+                    <a:pt x="468982" y="0"/>
+                  </a:moveTo>
+                  <a:lnTo>
+                    <a:pt x="891858" y="0"/>
+                  </a:lnTo>
+                  <a:cubicBezTo>
+                    <a:pt x="869559" y="411550"/>
+                    <a:pt x="545760" y="742656"/>
+                    <a:pt x="137385" y="776887"/>
+                  </a:cubicBezTo>
+                  <a:lnTo>
+                    <a:pt x="137385" y="347445"/>
+                  </a:lnTo>
+                  <a:cubicBezTo>
+                    <a:pt x="310528" y="315720"/>
+                    <a:pt x="445649" y="175729"/>
+                    <a:pt x="468982" y="0"/>
+                  </a:cubicBezTo>
+                  <a:close/>
+                </a:path>
+              </a:pathLst>
+            </a:custGeom>
+            <a:solidFill>
+              <a:srgbClr val="00B0F0"/>
+            </a:solidFill>
+            <a:ln>
+              <a:solidFill>
+                <a:schemeClr val="tx1">
+                  <a:lumMod val="75000"/>
+                  <a:lumOff val="25000"/>
+                </a:schemeClr>
+              </a:solidFill>
+            </a:ln>
+          </p:spPr>
+          <p:style>
+            <a:lnRef idx="2">
+              <a:schemeClr val="accent1">
+                <a:shade val="50000"/>
+              </a:schemeClr>
+            </a:lnRef>
+            <a:fillRef idx="1">
+              <a:schemeClr val="accent1"/>
+            </a:fillRef>
+            <a:effectRef idx="0">
+              <a:schemeClr val="accent1"/>
+            </a:effectRef>
+            <a:fontRef idx="minor">
+              <a:schemeClr val="lt1"/>
+            </a:fontRef>
+          </p:style>
+          <p:txBody>
+            <a:bodyPr rtlCol="0" anchor="ctr"/>
+            <a:lstStyle/>
+            <a:p>
+              <a:pPr algn="ctr"/>
+              <a:endParaRPr lang="pt-BR"/>
+            </a:p>
+          </p:txBody>
+        </p:sp>
+        <p:sp>
+          <p:nvSpPr>
+            <p:cNvPr id="27" name="Elipse 113"/>
+            <p:cNvSpPr/>
+            <p:nvPr/>
+          </p:nvSpPr>
+          <p:spPr>
+            <a:xfrm>
+              <a:off x="3676180" y="2381109"/>
+              <a:ext cx="752196" cy="737167"/>
+            </a:xfrm>
+            <a:custGeom>
+              <a:avLst/>
+              <a:gdLst/>
+              <a:ahLst/>
+              <a:cxnLst/>
+              <a:rect l="l" t="t" r="r" b="b"/>
+              <a:pathLst>
+                <a:path w="752196" h="737167">
+                  <a:moveTo>
+                    <a:pt x="0" y="0"/>
+                  </a:moveTo>
+                  <a:cubicBezTo>
+                    <a:pt x="395166" y="33105"/>
+                    <a:pt x="711137" y="344225"/>
+                    <a:pt x="752196" y="737167"/>
+                  </a:cubicBezTo>
+                  <a:lnTo>
+                    <a:pt x="329858" y="737167"/>
+                  </a:lnTo>
+                  <a:cubicBezTo>
+                    <a:pt x="299374" y="569632"/>
+                    <a:pt x="167478" y="437634"/>
+                    <a:pt x="0" y="406968"/>
+                  </a:cubicBezTo>
+                  <a:close/>
+                </a:path>
+              </a:pathLst>
+            </a:custGeom>
+            <a:solidFill>
+              <a:srgbClr val="7D1919"/>
+            </a:solidFill>
+            <a:ln>
+              <a:solidFill>
+                <a:schemeClr val="tx1">
+                  <a:lumMod val="75000"/>
+                  <a:lumOff val="25000"/>
+                </a:schemeClr>
+              </a:solidFill>
+            </a:ln>
+          </p:spPr>
+          <p:style>
+            <a:lnRef idx="2">
+              <a:schemeClr val="accent1">
+                <a:shade val="50000"/>
+              </a:schemeClr>
+            </a:lnRef>
+            <a:fillRef idx="1">
+              <a:schemeClr val="accent1"/>
+            </a:fillRef>
+            <a:effectRef idx="0">
+              <a:schemeClr val="accent1"/>
+            </a:effectRef>
+            <a:fontRef idx="minor">
+              <a:schemeClr val="lt1"/>
+            </a:fontRef>
+          </p:style>
+          <p:txBody>
+            <a:bodyPr rtlCol="0" anchor="ctr"/>
+            <a:lstStyle/>
+            <a:p>
+              <a:pPr algn="ctr"/>
+              <a:endParaRPr lang="pt-BR"/>
+            </a:p>
+          </p:txBody>
+        </p:sp>
+        <p:sp>
+          <p:nvSpPr>
+            <p:cNvPr id="28" name="Elipse 113"/>
+            <p:cNvSpPr/>
+            <p:nvPr/>
+          </p:nvSpPr>
+          <p:spPr>
+            <a:xfrm>
+              <a:off x="2779278" y="3253214"/>
+              <a:ext cx="761965" cy="777265"/>
+            </a:xfrm>
+            <a:custGeom>
+              <a:avLst/>
+              <a:gdLst/>
+              <a:ahLst/>
+              <a:cxnLst/>
+              <a:rect l="l" t="t" r="r" b="b"/>
+              <a:pathLst>
+                <a:path w="761965" h="777265">
+                  <a:moveTo>
+                    <a:pt x="0" y="0"/>
+                  </a:moveTo>
+                  <a:lnTo>
+                    <a:pt x="412364" y="0"/>
+                  </a:lnTo>
+                  <a:cubicBezTo>
+                    <a:pt x="436555" y="181728"/>
+                    <a:pt x="580184" y="325249"/>
+                    <a:pt x="761965" y="349260"/>
+                  </a:cubicBezTo>
+                  <a:lnTo>
+                    <a:pt x="761965" y="777265"/>
+                  </a:lnTo>
+                  <a:cubicBezTo>
+                    <a:pt x="350059" y="746692"/>
+                    <a:pt x="22442" y="414060"/>
+                    <a:pt x="0" y="0"/>
+                  </a:cubicBezTo>
+                  <a:close/>
+                </a:path>
+              </a:pathLst>
+            </a:custGeom>
+            <a:solidFill>
+              <a:srgbClr val="E0DC36"/>
+            </a:solidFill>
+            <a:ln>
+              <a:solidFill>
+                <a:schemeClr val="tx1">
+                  <a:lumMod val="75000"/>
+                  <a:lumOff val="25000"/>
+                </a:schemeClr>
+              </a:solidFill>
+            </a:ln>
+          </p:spPr>
+          <p:style>
+            <a:lnRef idx="2">
+              <a:schemeClr val="accent1">
+                <a:shade val="50000"/>
+              </a:schemeClr>
+            </a:lnRef>
+            <a:fillRef idx="1">
+              <a:schemeClr val="accent1"/>
+            </a:fillRef>
+            <a:effectRef idx="0">
+              <a:schemeClr val="accent1"/>
+            </a:effectRef>
+            <a:fontRef idx="minor">
+              <a:schemeClr val="lt1"/>
+            </a:fontRef>
+          </p:style>
+          <p:txBody>
+            <a:bodyPr rtlCol="0" anchor="ctr"/>
+            <a:lstStyle/>
+            <a:p>
+              <a:pPr algn="ctr"/>
+              <a:endParaRPr lang="pt-BR"/>
+            </a:p>
+          </p:txBody>
+        </p:sp>
+        <p:sp>
+          <p:nvSpPr>
+            <p:cNvPr id="29" name="Elipse 113"/>
+            <p:cNvSpPr/>
+            <p:nvPr/>
+          </p:nvSpPr>
+          <p:spPr>
+            <a:xfrm>
+              <a:off x="2781556" y="2380731"/>
+              <a:ext cx="759687" cy="737545"/>
+            </a:xfrm>
+            <a:custGeom>
+              <a:avLst/>
+              <a:gdLst/>
+              <a:ahLst/>
+              <a:cxnLst/>
+              <a:rect l="l" t="t" r="r" b="b"/>
+              <a:pathLst>
+                <a:path w="759687" h="737545">
+                  <a:moveTo>
+                    <a:pt x="759687" y="0"/>
+                  </a:moveTo>
+                  <a:lnTo>
+                    <a:pt x="759687" y="405531"/>
+                  </a:lnTo>
+                  <a:cubicBezTo>
+                    <a:pt x="583654" y="428726"/>
+                    <a:pt x="443410" y="564093"/>
+                    <a:pt x="411825" y="737545"/>
+                  </a:cubicBezTo>
+                  <a:lnTo>
+                    <a:pt x="0" y="737545"/>
+                  </a:lnTo>
+                  <a:cubicBezTo>
+                    <a:pt x="41318" y="342127"/>
+                    <a:pt x="361023" y="29565"/>
+                    <a:pt x="759687" y="0"/>
+                  </a:cubicBezTo>
+                  <a:close/>
+                </a:path>
+              </a:pathLst>
+            </a:custGeom>
+            <a:solidFill>
+              <a:srgbClr val="60D141"/>
+            </a:solidFill>
+            <a:ln>
+              <a:solidFill>
+                <a:schemeClr val="tx1">
+                  <a:lumMod val="75000"/>
+                  <a:lumOff val="25000"/>
+                </a:schemeClr>
+              </a:solidFill>
+            </a:ln>
+          </p:spPr>
+          <p:style>
+            <a:lnRef idx="2">
+              <a:schemeClr val="accent1">
+                <a:shade val="50000"/>
+              </a:schemeClr>
+            </a:lnRef>
+            <a:fillRef idx="1">
+              <a:schemeClr val="accent1"/>
+            </a:fillRef>
+            <a:effectRef idx="0">
+              <a:schemeClr val="accent1"/>
+            </a:effectRef>
+            <a:fontRef idx="minor">
+              <a:schemeClr val="lt1"/>
+            </a:fontRef>
+          </p:style>
+          <p:txBody>
+            <a:bodyPr rtlCol="0" anchor="ctr"/>
+            <a:lstStyle/>
+            <a:p>
+              <a:pPr algn="ctr"/>
+              <a:endParaRPr lang="pt-BR"/>
+            </a:p>
+          </p:txBody>
+        </p:sp>
+        <p:sp>
+          <p:nvSpPr>
+            <p:cNvPr id="30" name="Elipse 29"/>
+            <p:cNvSpPr/>
+            <p:nvPr/>
+          </p:nvSpPr>
+          <p:spPr>
+            <a:xfrm>
+              <a:off x="3284968" y="2889401"/>
+              <a:ext cx="632406" cy="632406"/>
+            </a:xfrm>
+            <a:prstGeom prst="ellipse">
+              <a:avLst/>
+            </a:prstGeom>
+            <a:solidFill>
+              <a:schemeClr val="bg1">
+                <a:lumMod val="85000"/>
+              </a:schemeClr>
+            </a:solidFill>
+            <a:ln>
+              <a:solidFill>
+                <a:schemeClr val="tx1">
+                  <a:lumMod val="65000"/>
+                  <a:lumOff val="35000"/>
+                </a:schemeClr>
+              </a:solidFill>
+            </a:ln>
+          </p:spPr>
+          <p:style>
+            <a:lnRef idx="2">
+              <a:schemeClr val="accent1">
+                <a:shade val="50000"/>
+              </a:schemeClr>
+            </a:lnRef>
+            <a:fillRef idx="1">
+              <a:schemeClr val="accent1"/>
+            </a:fillRef>
+            <a:effectRef idx="0">
+              <a:schemeClr val="accent1"/>
+            </a:effectRef>
+            <a:fontRef idx="minor">
+              <a:schemeClr val="lt1"/>
+            </a:fontRef>
+          </p:style>
+          <p:txBody>
+            <a:bodyPr rtlCol="0" anchor="ctr"/>
+            <a:lstStyle/>
+            <a:p>
+              <a:pPr algn="ctr"/>
+              <a:endParaRPr lang="pt-BR"/>
+            </a:p>
+          </p:txBody>
+        </p:sp>
+        <p:sp>
+          <p:nvSpPr>
+            <p:cNvPr id="31" name="Retângulo de cantos arredondados 30"/>
+            <p:cNvSpPr/>
+            <p:nvPr/>
+          </p:nvSpPr>
+          <p:spPr>
+            <a:xfrm>
+              <a:off x="3508624" y="3325541"/>
+              <a:ext cx="185093" cy="82407"/>
+            </a:xfrm>
+            <a:prstGeom prst="roundRect">
+              <a:avLst>
+                <a:gd name="adj" fmla="val 50000"/>
+              </a:avLst>
+            </a:prstGeom>
+            <a:solidFill>
+              <a:schemeClr val="tx1">
+                <a:lumMod val="85000"/>
+                <a:lumOff val="15000"/>
+              </a:schemeClr>
+            </a:solidFill>
+            <a:ln>
+              <a:noFill/>
+            </a:ln>
+          </p:spPr>
+          <p:style>
+            <a:lnRef idx="2">
+              <a:schemeClr val="accent1">
+                <a:shade val="50000"/>
+              </a:schemeClr>
+            </a:lnRef>
+            <a:fillRef idx="1">
+              <a:schemeClr val="accent1"/>
+            </a:fillRef>
+            <a:effectRef idx="0">
+              <a:schemeClr val="accent1"/>
+            </a:effectRef>
+            <a:fontRef idx="minor">
+              <a:schemeClr val="lt1"/>
+            </a:fontRef>
+          </p:style>
+          <p:txBody>
+            <a:bodyPr rtlCol="0" anchor="ctr"/>
+            <a:lstStyle/>
+            <a:p>
+              <a:pPr algn="ctr"/>
+              <a:endParaRPr lang="pt-BR"/>
+            </a:p>
+          </p:txBody>
+        </p:sp>
+        <p:sp>
+          <p:nvSpPr>
+            <p:cNvPr id="32" name="Elipse 31"/>
+            <p:cNvSpPr/>
+            <p:nvPr/>
+          </p:nvSpPr>
+          <p:spPr>
+            <a:xfrm>
+              <a:off x="3563615" y="3144340"/>
+              <a:ext cx="88752" cy="88752"/>
+            </a:xfrm>
+            <a:prstGeom prst="ellipse">
+              <a:avLst/>
+            </a:prstGeom>
+            <a:solidFill>
+              <a:srgbClr val="D73B3B"/>
+            </a:solidFill>
+            <a:ln>
+              <a:noFill/>
+            </a:ln>
+          </p:spPr>
+          <p:style>
+            <a:lnRef idx="2">
+              <a:schemeClr val="accent1">
+                <a:shade val="50000"/>
+              </a:schemeClr>
+            </a:lnRef>
+            <a:fillRef idx="1">
+              <a:schemeClr val="accent1"/>
+            </a:fillRef>
+            <a:effectRef idx="0">
+              <a:schemeClr val="accent1"/>
+            </a:effectRef>
+            <a:fontRef idx="minor">
+              <a:schemeClr val="lt1"/>
+            </a:fontRef>
+          </p:style>
+          <p:txBody>
+            <a:bodyPr rtlCol="0" anchor="ctr"/>
+            <a:lstStyle/>
+            <a:p>
+              <a:pPr algn="ctr"/>
+              <a:endParaRPr lang="pt-BR"/>
+            </a:p>
+          </p:txBody>
+        </p:sp>
+        <p:sp>
+          <p:nvSpPr>
+            <p:cNvPr id="33" name="Elipse 32"/>
+            <p:cNvSpPr/>
+            <p:nvPr/>
+          </p:nvSpPr>
+          <p:spPr>
+            <a:xfrm>
+              <a:off x="3693717" y="3145764"/>
+              <a:ext cx="88752" cy="88752"/>
+            </a:xfrm>
+            <a:prstGeom prst="ellipse">
+              <a:avLst/>
+            </a:prstGeom>
+            <a:solidFill>
+              <a:srgbClr val="00B0F0"/>
+            </a:solidFill>
+            <a:ln>
+              <a:noFill/>
+            </a:ln>
+          </p:spPr>
+          <p:style>
+            <a:lnRef idx="2">
+              <a:schemeClr val="accent1">
+                <a:shade val="50000"/>
+              </a:schemeClr>
+            </a:lnRef>
+            <a:fillRef idx="1">
+              <a:schemeClr val="accent1"/>
+            </a:fillRef>
+            <a:effectRef idx="0">
+              <a:schemeClr val="accent1"/>
+            </a:effectRef>
+            <a:fontRef idx="minor">
+              <a:schemeClr val="lt1"/>
+            </a:fontRef>
+          </p:style>
+          <p:txBody>
+            <a:bodyPr rtlCol="0" anchor="ctr"/>
+            <a:lstStyle/>
+            <a:p>
+              <a:pPr algn="ctr"/>
+              <a:endParaRPr lang="pt-BR"/>
+            </a:p>
+          </p:txBody>
+        </p:sp>
+        <p:sp>
+          <p:nvSpPr>
+            <p:cNvPr id="34" name="Elipse 33"/>
+            <p:cNvSpPr/>
+            <p:nvPr/>
+          </p:nvSpPr>
+          <p:spPr>
+            <a:xfrm>
+              <a:off x="3433514" y="3144340"/>
+              <a:ext cx="88752" cy="88752"/>
+            </a:xfrm>
+            <a:prstGeom prst="ellipse">
+              <a:avLst/>
+            </a:prstGeom>
+            <a:solidFill>
+              <a:srgbClr val="FFFF00"/>
+            </a:solidFill>
+            <a:ln>
+              <a:noFill/>
+            </a:ln>
+          </p:spPr>
+          <p:style>
+            <a:lnRef idx="2">
+              <a:schemeClr val="accent1">
+                <a:shade val="50000"/>
+              </a:schemeClr>
+            </a:lnRef>
+            <a:fillRef idx="1">
+              <a:schemeClr val="accent1"/>
+            </a:fillRef>
+            <a:effectRef idx="0">
+              <a:schemeClr val="accent1"/>
+            </a:effectRef>
+            <a:fontRef idx="minor">
+              <a:schemeClr val="lt1"/>
+            </a:fontRef>
+          </p:style>
+          <p:txBody>
+            <a:bodyPr rtlCol="0" anchor="ctr"/>
+            <a:lstStyle/>
+            <a:p>
+              <a:pPr algn="ctr"/>
+              <a:endParaRPr lang="pt-BR"/>
+            </a:p>
+          </p:txBody>
+        </p:sp>
+      </p:grpSp>
+      <p:grpSp>
+        <p:nvGrpSpPr>
+          <p:cNvPr id="35" name="Grupo 34"/>
+          <p:cNvGrpSpPr/>
+          <p:nvPr/>
+        </p:nvGrpSpPr>
+        <p:grpSpPr>
+          <a:xfrm>
+            <a:off x="4377815" y="4040495"/>
+            <a:ext cx="1877283" cy="1877283"/>
+            <a:chOff x="2666324" y="2283399"/>
+            <a:chExt cx="1877283" cy="1877283"/>
+          </a:xfrm>
+        </p:grpSpPr>
+        <p:sp>
+          <p:nvSpPr>
+            <p:cNvPr id="36" name="Elipse 35"/>
+            <p:cNvSpPr/>
+            <p:nvPr/>
+          </p:nvSpPr>
+          <p:spPr>
+            <a:xfrm>
+              <a:off x="2666324" y="2283399"/>
+              <a:ext cx="1877283" cy="1877283"/>
+            </a:xfrm>
+            <a:prstGeom prst="ellipse">
+              <a:avLst/>
+            </a:prstGeom>
+            <a:solidFill>
+              <a:schemeClr val="tx1">
+                <a:lumMod val="65000"/>
+                <a:lumOff val="35000"/>
+              </a:schemeClr>
+            </a:solidFill>
+            <a:ln>
+              <a:solidFill>
+                <a:schemeClr val="tx1"/>
+              </a:solidFill>
+            </a:ln>
+          </p:spPr>
+          <p:style>
+            <a:lnRef idx="2">
+              <a:schemeClr val="accent1">
+                <a:shade val="50000"/>
+              </a:schemeClr>
+            </a:lnRef>
+            <a:fillRef idx="1">
+              <a:schemeClr val="accent1"/>
+            </a:fillRef>
+            <a:effectRef idx="0">
+              <a:schemeClr val="accent1"/>
+            </a:effectRef>
+            <a:fontRef idx="minor">
+              <a:schemeClr val="lt1"/>
+            </a:fontRef>
+          </p:style>
+          <p:txBody>
+            <a:bodyPr rtlCol="0" anchor="ctr"/>
+            <a:lstStyle/>
+            <a:p>
+              <a:pPr algn="ctr"/>
+              <a:endParaRPr lang="pt-BR"/>
+            </a:p>
+          </p:txBody>
+        </p:sp>
+        <p:sp>
+          <p:nvSpPr>
+            <p:cNvPr id="37" name="Elipse 113"/>
+            <p:cNvSpPr/>
+            <p:nvPr/>
+          </p:nvSpPr>
+          <p:spPr>
+            <a:xfrm>
+              <a:off x="3538795" y="3253214"/>
+              <a:ext cx="891858" cy="776887"/>
+            </a:xfrm>
+            <a:custGeom>
+              <a:avLst/>
+              <a:gdLst/>
+              <a:ahLst/>
+              <a:cxnLst/>
+              <a:rect l="l" t="t" r="r" b="b"/>
+              <a:pathLst>
+                <a:path w="891858" h="776887">
+                  <a:moveTo>
+                    <a:pt x="0" y="348726"/>
+                  </a:moveTo>
+                  <a:cubicBezTo>
+                    <a:pt x="797" y="349040"/>
+                    <a:pt x="1621" y="349151"/>
+                    <a:pt x="2447" y="349260"/>
+                  </a:cubicBezTo>
+                  <a:lnTo>
+                    <a:pt x="2447" y="365549"/>
+                  </a:lnTo>
+                  <a:cubicBezTo>
+                    <a:pt x="1377" y="359975"/>
+                    <a:pt x="550" y="354366"/>
+                    <a:pt x="0" y="348726"/>
+                  </a:cubicBezTo>
+                  <a:close/>
+                  <a:moveTo>
+                    <a:pt x="468982" y="0"/>
+                  </a:moveTo>
+                  <a:lnTo>
+                    <a:pt x="891858" y="0"/>
+                  </a:lnTo>
+                  <a:cubicBezTo>
+                    <a:pt x="869559" y="411550"/>
+                    <a:pt x="545760" y="742656"/>
+                    <a:pt x="137385" y="776887"/>
+                  </a:cubicBezTo>
+                  <a:lnTo>
+                    <a:pt x="137385" y="347445"/>
+                  </a:lnTo>
+                  <a:cubicBezTo>
+                    <a:pt x="310528" y="315720"/>
+                    <a:pt x="445649" y="175729"/>
+                    <a:pt x="468982" y="0"/>
+                  </a:cubicBezTo>
+                  <a:close/>
+                </a:path>
+              </a:pathLst>
+            </a:custGeom>
+            <a:solidFill>
+              <a:srgbClr val="00B0F0"/>
+            </a:solidFill>
+            <a:ln>
+              <a:solidFill>
+                <a:schemeClr val="tx1">
+                  <a:lumMod val="75000"/>
+                  <a:lumOff val="25000"/>
+                </a:schemeClr>
+              </a:solidFill>
+            </a:ln>
+          </p:spPr>
+          <p:style>
+            <a:lnRef idx="2">
+              <a:schemeClr val="accent1">
+                <a:shade val="50000"/>
+              </a:schemeClr>
+            </a:lnRef>
+            <a:fillRef idx="1">
+              <a:schemeClr val="accent1"/>
+            </a:fillRef>
+            <a:effectRef idx="0">
+              <a:schemeClr val="accent1"/>
+            </a:effectRef>
+            <a:fontRef idx="minor">
+              <a:schemeClr val="lt1"/>
+            </a:fontRef>
+          </p:style>
+          <p:txBody>
+            <a:bodyPr rtlCol="0" anchor="ctr"/>
+            <a:lstStyle/>
+            <a:p>
+              <a:pPr algn="ctr"/>
+              <a:endParaRPr lang="pt-BR"/>
+            </a:p>
+          </p:txBody>
+        </p:sp>
+        <p:sp>
+          <p:nvSpPr>
+            <p:cNvPr id="38" name="Elipse 113"/>
+            <p:cNvSpPr/>
+            <p:nvPr/>
+          </p:nvSpPr>
+          <p:spPr>
+            <a:xfrm>
+              <a:off x="3676180" y="2381109"/>
+              <a:ext cx="752196" cy="737167"/>
+            </a:xfrm>
+            <a:custGeom>
+              <a:avLst/>
+              <a:gdLst/>
+              <a:ahLst/>
+              <a:cxnLst/>
+              <a:rect l="l" t="t" r="r" b="b"/>
+              <a:pathLst>
+                <a:path w="752196" h="737167">
+                  <a:moveTo>
+                    <a:pt x="0" y="0"/>
+                  </a:moveTo>
+                  <a:cubicBezTo>
+                    <a:pt x="395166" y="33105"/>
+                    <a:pt x="711137" y="344225"/>
+                    <a:pt x="752196" y="737167"/>
+                  </a:cubicBezTo>
+                  <a:lnTo>
+                    <a:pt x="329858" y="737167"/>
+                  </a:lnTo>
+                  <a:cubicBezTo>
+                    <a:pt x="299374" y="569632"/>
+                    <a:pt x="167478" y="437634"/>
+                    <a:pt x="0" y="406968"/>
+                  </a:cubicBezTo>
+                  <a:close/>
+                </a:path>
+              </a:pathLst>
+            </a:custGeom>
+            <a:solidFill>
+              <a:srgbClr val="D73B3B"/>
+            </a:solidFill>
+            <a:ln>
+              <a:solidFill>
+                <a:schemeClr val="tx1">
+                  <a:lumMod val="75000"/>
+                  <a:lumOff val="25000"/>
+                </a:schemeClr>
+              </a:solidFill>
+            </a:ln>
+          </p:spPr>
+          <p:style>
+            <a:lnRef idx="2">
+              <a:schemeClr val="accent1">
+                <a:shade val="50000"/>
+              </a:schemeClr>
+            </a:lnRef>
+            <a:fillRef idx="1">
+              <a:schemeClr val="accent1"/>
+            </a:fillRef>
+            <a:effectRef idx="0">
+              <a:schemeClr val="accent1"/>
+            </a:effectRef>
+            <a:fontRef idx="minor">
+              <a:schemeClr val="lt1"/>
+            </a:fontRef>
+          </p:style>
+          <p:txBody>
+            <a:bodyPr rtlCol="0" anchor="ctr"/>
+            <a:lstStyle/>
+            <a:p>
+              <a:pPr algn="ctr"/>
+              <a:endParaRPr lang="pt-BR"/>
+            </a:p>
+          </p:txBody>
+        </p:sp>
+        <p:sp>
+          <p:nvSpPr>
+            <p:cNvPr id="39" name="Elipse 113"/>
+            <p:cNvSpPr/>
+            <p:nvPr/>
+          </p:nvSpPr>
+          <p:spPr>
+            <a:xfrm>
+              <a:off x="2779278" y="3253214"/>
+              <a:ext cx="761965" cy="777265"/>
+            </a:xfrm>
+            <a:custGeom>
+              <a:avLst/>
+              <a:gdLst/>
+              <a:ahLst/>
+              <a:cxnLst/>
+              <a:rect l="l" t="t" r="r" b="b"/>
+              <a:pathLst>
+                <a:path w="761965" h="777265">
+                  <a:moveTo>
+                    <a:pt x="0" y="0"/>
+                  </a:moveTo>
+                  <a:lnTo>
+                    <a:pt x="412364" y="0"/>
+                  </a:lnTo>
+                  <a:cubicBezTo>
+                    <a:pt x="436555" y="181728"/>
+                    <a:pt x="580184" y="325249"/>
+                    <a:pt x="761965" y="349260"/>
+                  </a:cubicBezTo>
+                  <a:lnTo>
+                    <a:pt x="761965" y="777265"/>
+                  </a:lnTo>
+                  <a:cubicBezTo>
+                    <a:pt x="350059" y="746692"/>
+                    <a:pt x="22442" y="414060"/>
+                    <a:pt x="0" y="0"/>
+                  </a:cubicBezTo>
+                  <a:close/>
+                </a:path>
+              </a:pathLst>
+            </a:custGeom>
+            <a:solidFill>
+              <a:srgbClr val="E0DC36"/>
+            </a:solidFill>
+            <a:ln>
+              <a:solidFill>
+                <a:schemeClr val="tx1">
+                  <a:lumMod val="75000"/>
+                  <a:lumOff val="25000"/>
+                </a:schemeClr>
+              </a:solidFill>
+            </a:ln>
+          </p:spPr>
+          <p:style>
+            <a:lnRef idx="2">
+              <a:schemeClr val="accent1">
+                <a:shade val="50000"/>
+              </a:schemeClr>
+            </a:lnRef>
+            <a:fillRef idx="1">
+              <a:schemeClr val="accent1"/>
+            </a:fillRef>
+            <a:effectRef idx="0">
+              <a:schemeClr val="accent1"/>
+            </a:effectRef>
+            <a:fontRef idx="minor">
+              <a:schemeClr val="lt1"/>
+            </a:fontRef>
+          </p:style>
+          <p:txBody>
+            <a:bodyPr rtlCol="0" anchor="ctr"/>
+            <a:lstStyle/>
+            <a:p>
+              <a:pPr algn="ctr"/>
+              <a:endParaRPr lang="pt-BR"/>
+            </a:p>
+          </p:txBody>
+        </p:sp>
+        <p:sp>
+          <p:nvSpPr>
+            <p:cNvPr id="40" name="Elipse 113"/>
+            <p:cNvSpPr/>
+            <p:nvPr/>
+          </p:nvSpPr>
+          <p:spPr>
+            <a:xfrm>
+              <a:off x="2781556" y="2380731"/>
+              <a:ext cx="759687" cy="737545"/>
+            </a:xfrm>
+            <a:custGeom>
+              <a:avLst/>
+              <a:gdLst/>
+              <a:ahLst/>
+              <a:cxnLst/>
+              <a:rect l="l" t="t" r="r" b="b"/>
+              <a:pathLst>
+                <a:path w="759687" h="737545">
+                  <a:moveTo>
+                    <a:pt x="759687" y="0"/>
+                  </a:moveTo>
+                  <a:lnTo>
+                    <a:pt x="759687" y="405531"/>
+                  </a:lnTo>
+                  <a:cubicBezTo>
+                    <a:pt x="583654" y="428726"/>
+                    <a:pt x="443410" y="564093"/>
+                    <a:pt x="411825" y="737545"/>
+                  </a:cubicBezTo>
+                  <a:lnTo>
+                    <a:pt x="0" y="737545"/>
+                  </a:lnTo>
+                  <a:cubicBezTo>
+                    <a:pt x="41318" y="342127"/>
+                    <a:pt x="361023" y="29565"/>
+                    <a:pt x="759687" y="0"/>
+                  </a:cubicBezTo>
+                  <a:close/>
+                </a:path>
+              </a:pathLst>
+            </a:custGeom>
+            <a:solidFill>
+              <a:srgbClr val="225414"/>
+            </a:solidFill>
+            <a:ln>
+              <a:solidFill>
+                <a:schemeClr val="tx1">
+                  <a:lumMod val="75000"/>
+                  <a:lumOff val="25000"/>
+                </a:schemeClr>
+              </a:solidFill>
+            </a:ln>
+          </p:spPr>
+          <p:style>
+            <a:lnRef idx="2">
+              <a:schemeClr val="accent1">
+                <a:shade val="50000"/>
+              </a:schemeClr>
+            </a:lnRef>
+            <a:fillRef idx="1">
+              <a:schemeClr val="accent1"/>
+            </a:fillRef>
+            <a:effectRef idx="0">
+              <a:schemeClr val="accent1"/>
+            </a:effectRef>
+            <a:fontRef idx="minor">
+              <a:schemeClr val="lt1"/>
+            </a:fontRef>
+          </p:style>
+          <p:txBody>
+            <a:bodyPr rtlCol="0" anchor="ctr"/>
+            <a:lstStyle/>
+            <a:p>
+              <a:pPr algn="ctr"/>
+              <a:endParaRPr lang="pt-BR"/>
+            </a:p>
+          </p:txBody>
+        </p:sp>
+        <p:sp>
+          <p:nvSpPr>
+            <p:cNvPr id="41" name="Elipse 40"/>
+            <p:cNvSpPr/>
+            <p:nvPr/>
+          </p:nvSpPr>
+          <p:spPr>
+            <a:xfrm>
+              <a:off x="3284968" y="2889401"/>
+              <a:ext cx="632406" cy="632406"/>
+            </a:xfrm>
+            <a:prstGeom prst="ellipse">
+              <a:avLst/>
+            </a:prstGeom>
+            <a:solidFill>
+              <a:schemeClr val="bg1">
+                <a:lumMod val="85000"/>
+              </a:schemeClr>
+            </a:solidFill>
+            <a:ln>
+              <a:solidFill>
+                <a:schemeClr val="tx1">
+                  <a:lumMod val="65000"/>
+                  <a:lumOff val="35000"/>
+                </a:schemeClr>
+              </a:solidFill>
+            </a:ln>
+          </p:spPr>
+          <p:style>
+            <a:lnRef idx="2">
+              <a:schemeClr val="accent1">
+                <a:shade val="50000"/>
+              </a:schemeClr>
+            </a:lnRef>
+            <a:fillRef idx="1">
+              <a:schemeClr val="accent1"/>
+            </a:fillRef>
+            <a:effectRef idx="0">
+              <a:schemeClr val="accent1"/>
+            </a:effectRef>
+            <a:fontRef idx="minor">
+              <a:schemeClr val="lt1"/>
+            </a:fontRef>
+          </p:style>
+          <p:txBody>
+            <a:bodyPr rtlCol="0" anchor="ctr"/>
+            <a:lstStyle/>
+            <a:p>
+              <a:pPr algn="ctr"/>
+              <a:endParaRPr lang="pt-BR"/>
+            </a:p>
+          </p:txBody>
+        </p:sp>
+        <p:sp>
+          <p:nvSpPr>
+            <p:cNvPr id="42" name="Retângulo de cantos arredondados 41"/>
+            <p:cNvSpPr/>
+            <p:nvPr/>
+          </p:nvSpPr>
+          <p:spPr>
+            <a:xfrm>
+              <a:off x="3508624" y="3325541"/>
+              <a:ext cx="185093" cy="82407"/>
+            </a:xfrm>
+            <a:prstGeom prst="roundRect">
+              <a:avLst>
+                <a:gd name="adj" fmla="val 50000"/>
+              </a:avLst>
+            </a:prstGeom>
+            <a:solidFill>
+              <a:schemeClr val="tx1">
+                <a:lumMod val="85000"/>
+                <a:lumOff val="15000"/>
+              </a:schemeClr>
+            </a:solidFill>
+            <a:ln>
+              <a:noFill/>
+            </a:ln>
+          </p:spPr>
+          <p:style>
+            <a:lnRef idx="2">
+              <a:schemeClr val="accent1">
+                <a:shade val="50000"/>
+              </a:schemeClr>
+            </a:lnRef>
+            <a:fillRef idx="1">
+              <a:schemeClr val="accent1"/>
+            </a:fillRef>
+            <a:effectRef idx="0">
+              <a:schemeClr val="accent1"/>
+            </a:effectRef>
+            <a:fontRef idx="minor">
+              <a:schemeClr val="lt1"/>
+            </a:fontRef>
+          </p:style>
+          <p:txBody>
+            <a:bodyPr rtlCol="0" anchor="ctr"/>
+            <a:lstStyle/>
+            <a:p>
+              <a:pPr algn="ctr"/>
+              <a:endParaRPr lang="pt-BR"/>
+            </a:p>
+          </p:txBody>
+        </p:sp>
+        <p:sp>
+          <p:nvSpPr>
+            <p:cNvPr id="43" name="Elipse 42"/>
+            <p:cNvSpPr/>
+            <p:nvPr/>
+          </p:nvSpPr>
+          <p:spPr>
+            <a:xfrm>
+              <a:off x="3563615" y="3144340"/>
+              <a:ext cx="88752" cy="88752"/>
+            </a:xfrm>
+            <a:prstGeom prst="ellipse">
+              <a:avLst/>
+            </a:prstGeom>
+            <a:solidFill>
+              <a:srgbClr val="D73B3B"/>
+            </a:solidFill>
+            <a:ln>
+              <a:noFill/>
+            </a:ln>
+          </p:spPr>
+          <p:style>
+            <a:lnRef idx="2">
+              <a:schemeClr val="accent1">
+                <a:shade val="50000"/>
+              </a:schemeClr>
+            </a:lnRef>
+            <a:fillRef idx="1">
+              <a:schemeClr val="accent1"/>
+            </a:fillRef>
+            <a:effectRef idx="0">
+              <a:schemeClr val="accent1"/>
+            </a:effectRef>
+            <a:fontRef idx="minor">
+              <a:schemeClr val="lt1"/>
+            </a:fontRef>
+          </p:style>
+          <p:txBody>
+            <a:bodyPr rtlCol="0" anchor="ctr"/>
+            <a:lstStyle/>
+            <a:p>
+              <a:pPr algn="ctr"/>
+              <a:endParaRPr lang="pt-BR"/>
+            </a:p>
+          </p:txBody>
+        </p:sp>
+        <p:sp>
+          <p:nvSpPr>
+            <p:cNvPr id="44" name="Elipse 43"/>
+            <p:cNvSpPr/>
+            <p:nvPr/>
+          </p:nvSpPr>
+          <p:spPr>
+            <a:xfrm>
+              <a:off x="3693717" y="3145764"/>
+              <a:ext cx="88752" cy="88752"/>
+            </a:xfrm>
+            <a:prstGeom prst="ellipse">
+              <a:avLst/>
+            </a:prstGeom>
+            <a:solidFill>
+              <a:srgbClr val="00B0F0"/>
+            </a:solidFill>
+            <a:ln>
+              <a:noFill/>
+            </a:ln>
+          </p:spPr>
+          <p:style>
+            <a:lnRef idx="2">
+              <a:schemeClr val="accent1">
+                <a:shade val="50000"/>
+              </a:schemeClr>
+            </a:lnRef>
+            <a:fillRef idx="1">
+              <a:schemeClr val="accent1"/>
+            </a:fillRef>
+            <a:effectRef idx="0">
+              <a:schemeClr val="accent1"/>
+            </a:effectRef>
+            <a:fontRef idx="minor">
+              <a:schemeClr val="lt1"/>
+            </a:fontRef>
+          </p:style>
+          <p:txBody>
+            <a:bodyPr rtlCol="0" anchor="ctr"/>
+            <a:lstStyle/>
+            <a:p>
+              <a:pPr algn="ctr"/>
+              <a:endParaRPr lang="pt-BR"/>
+            </a:p>
+          </p:txBody>
+        </p:sp>
+        <p:sp>
+          <p:nvSpPr>
+            <p:cNvPr id="45" name="Elipse 44"/>
+            <p:cNvSpPr/>
+            <p:nvPr/>
+          </p:nvSpPr>
+          <p:spPr>
+            <a:xfrm>
+              <a:off x="3433514" y="3144340"/>
+              <a:ext cx="88752" cy="88752"/>
+            </a:xfrm>
+            <a:prstGeom prst="ellipse">
+              <a:avLst/>
+            </a:prstGeom>
+            <a:solidFill>
+              <a:srgbClr val="FFFF00"/>
+            </a:solidFill>
+            <a:ln>
+              <a:noFill/>
+            </a:ln>
+          </p:spPr>
+          <p:style>
+            <a:lnRef idx="2">
+              <a:schemeClr val="accent1">
+                <a:shade val="50000"/>
+              </a:schemeClr>
+            </a:lnRef>
+            <a:fillRef idx="1">
+              <a:schemeClr val="accent1"/>
+            </a:fillRef>
+            <a:effectRef idx="0">
+              <a:schemeClr val="accent1"/>
+            </a:effectRef>
+            <a:fontRef idx="minor">
+              <a:schemeClr val="lt1"/>
+            </a:fontRef>
+          </p:style>
+          <p:txBody>
+            <a:bodyPr rtlCol="0" anchor="ctr"/>
+            <a:lstStyle/>
+            <a:p>
+              <a:pPr algn="ctr"/>
+              <a:endParaRPr lang="pt-BR"/>
+            </a:p>
+          </p:txBody>
+        </p:sp>
+      </p:grpSp>
+      <p:grpSp>
+        <p:nvGrpSpPr>
+          <p:cNvPr id="46" name="Grupo 45"/>
+          <p:cNvGrpSpPr/>
+          <p:nvPr/>
+        </p:nvGrpSpPr>
+        <p:grpSpPr>
+          <a:xfrm>
+            <a:off x="7020272" y="3526332"/>
+            <a:ext cx="1877283" cy="1877283"/>
+            <a:chOff x="2666324" y="2283399"/>
+            <a:chExt cx="1877283" cy="1877283"/>
+          </a:xfrm>
+        </p:grpSpPr>
+        <p:sp>
+          <p:nvSpPr>
+            <p:cNvPr id="47" name="Elipse 46"/>
+            <p:cNvSpPr/>
+            <p:nvPr/>
+          </p:nvSpPr>
+          <p:spPr>
+            <a:xfrm>
+              <a:off x="2666324" y="2283399"/>
+              <a:ext cx="1877283" cy="1877283"/>
+            </a:xfrm>
+            <a:prstGeom prst="ellipse">
+              <a:avLst/>
+            </a:prstGeom>
+            <a:solidFill>
+              <a:schemeClr val="tx1">
+                <a:lumMod val="65000"/>
+                <a:lumOff val="35000"/>
+              </a:schemeClr>
+            </a:solidFill>
+            <a:ln>
+              <a:solidFill>
+                <a:schemeClr val="tx1"/>
+              </a:solidFill>
+            </a:ln>
+          </p:spPr>
+          <p:style>
+            <a:lnRef idx="2">
+              <a:schemeClr val="accent1">
+                <a:shade val="50000"/>
+              </a:schemeClr>
+            </a:lnRef>
+            <a:fillRef idx="1">
+              <a:schemeClr val="accent1"/>
+            </a:fillRef>
+            <a:effectRef idx="0">
+              <a:schemeClr val="accent1"/>
+            </a:effectRef>
+            <a:fontRef idx="minor">
+              <a:schemeClr val="lt1"/>
+            </a:fontRef>
+          </p:style>
+          <p:txBody>
+            <a:bodyPr rtlCol="0" anchor="ctr"/>
+            <a:lstStyle/>
+            <a:p>
+              <a:pPr algn="ctr"/>
+              <a:endParaRPr lang="pt-BR"/>
+            </a:p>
+          </p:txBody>
+        </p:sp>
+        <p:sp>
+          <p:nvSpPr>
+            <p:cNvPr id="48" name="Elipse 113"/>
+            <p:cNvSpPr/>
+            <p:nvPr/>
+          </p:nvSpPr>
+          <p:spPr>
+            <a:xfrm>
+              <a:off x="3538795" y="3253214"/>
+              <a:ext cx="891858" cy="776887"/>
+            </a:xfrm>
+            <a:custGeom>
+              <a:avLst/>
+              <a:gdLst/>
+              <a:ahLst/>
+              <a:cxnLst/>
+              <a:rect l="l" t="t" r="r" b="b"/>
+              <a:pathLst>
+                <a:path w="891858" h="776887">
+                  <a:moveTo>
+                    <a:pt x="0" y="348726"/>
+                  </a:moveTo>
+                  <a:cubicBezTo>
+                    <a:pt x="797" y="349040"/>
+                    <a:pt x="1621" y="349151"/>
+                    <a:pt x="2447" y="349260"/>
+                  </a:cubicBezTo>
+                  <a:lnTo>
+                    <a:pt x="2447" y="365549"/>
+                  </a:lnTo>
+                  <a:cubicBezTo>
+                    <a:pt x="1377" y="359975"/>
+                    <a:pt x="550" y="354366"/>
+                    <a:pt x="0" y="348726"/>
+                  </a:cubicBezTo>
+                  <a:close/>
+                  <a:moveTo>
+                    <a:pt x="468982" y="0"/>
+                  </a:moveTo>
+                  <a:lnTo>
+                    <a:pt x="891858" y="0"/>
+                  </a:lnTo>
+                  <a:cubicBezTo>
+                    <a:pt x="869559" y="411550"/>
+                    <a:pt x="545760" y="742656"/>
+                    <a:pt x="137385" y="776887"/>
+                  </a:cubicBezTo>
+                  <a:lnTo>
+                    <a:pt x="137385" y="347445"/>
+                  </a:lnTo>
+                  <a:cubicBezTo>
+                    <a:pt x="310528" y="315720"/>
+                    <a:pt x="445649" y="175729"/>
+                    <a:pt x="468982" y="0"/>
+                  </a:cubicBezTo>
+                  <a:close/>
+                </a:path>
+              </a:pathLst>
+            </a:custGeom>
+            <a:solidFill>
+              <a:srgbClr val="00B0F0"/>
+            </a:solidFill>
+            <a:ln>
+              <a:solidFill>
+                <a:schemeClr val="tx1">
+                  <a:lumMod val="75000"/>
+                  <a:lumOff val="25000"/>
+                </a:schemeClr>
+              </a:solidFill>
+            </a:ln>
+          </p:spPr>
+          <p:style>
+            <a:lnRef idx="2">
+              <a:schemeClr val="accent1">
+                <a:shade val="50000"/>
+              </a:schemeClr>
+            </a:lnRef>
+            <a:fillRef idx="1">
+              <a:schemeClr val="accent1"/>
+            </a:fillRef>
+            <a:effectRef idx="0">
+              <a:schemeClr val="accent1"/>
+            </a:effectRef>
+            <a:fontRef idx="minor">
+              <a:schemeClr val="lt1"/>
+            </a:fontRef>
+          </p:style>
+          <p:txBody>
+            <a:bodyPr rtlCol="0" anchor="ctr"/>
+            <a:lstStyle/>
+            <a:p>
+              <a:pPr algn="ctr"/>
+              <a:endParaRPr lang="pt-BR"/>
+            </a:p>
+          </p:txBody>
+        </p:sp>
+        <p:sp>
+          <p:nvSpPr>
+            <p:cNvPr id="49" name="Elipse 113"/>
+            <p:cNvSpPr/>
+            <p:nvPr/>
+          </p:nvSpPr>
+          <p:spPr>
+            <a:xfrm>
+              <a:off x="3676180" y="2381109"/>
+              <a:ext cx="752196" cy="737167"/>
+            </a:xfrm>
+            <a:custGeom>
+              <a:avLst/>
+              <a:gdLst/>
+              <a:ahLst/>
+              <a:cxnLst/>
+              <a:rect l="l" t="t" r="r" b="b"/>
+              <a:pathLst>
+                <a:path w="752196" h="737167">
+                  <a:moveTo>
+                    <a:pt x="0" y="0"/>
+                  </a:moveTo>
+                  <a:cubicBezTo>
+                    <a:pt x="395166" y="33105"/>
+                    <a:pt x="711137" y="344225"/>
+                    <a:pt x="752196" y="737167"/>
+                  </a:cubicBezTo>
+                  <a:lnTo>
+                    <a:pt x="329858" y="737167"/>
+                  </a:lnTo>
+                  <a:cubicBezTo>
+                    <a:pt x="299374" y="569632"/>
+                    <a:pt x="167478" y="437634"/>
+                    <a:pt x="0" y="406968"/>
+                  </a:cubicBezTo>
+                  <a:close/>
+                </a:path>
+              </a:pathLst>
+            </a:custGeom>
+            <a:solidFill>
+              <a:srgbClr val="D73B3B"/>
+            </a:solidFill>
+            <a:ln>
+              <a:solidFill>
+                <a:schemeClr val="tx1">
+                  <a:lumMod val="75000"/>
+                  <a:lumOff val="25000"/>
+                </a:schemeClr>
+              </a:solidFill>
+            </a:ln>
+          </p:spPr>
+          <p:style>
+            <a:lnRef idx="2">
+              <a:schemeClr val="accent1">
+                <a:shade val="50000"/>
+              </a:schemeClr>
+            </a:lnRef>
+            <a:fillRef idx="1">
+              <a:schemeClr val="accent1"/>
+            </a:fillRef>
+            <a:effectRef idx="0">
+              <a:schemeClr val="accent1"/>
+            </a:effectRef>
+            <a:fontRef idx="minor">
+              <a:schemeClr val="lt1"/>
+            </a:fontRef>
+          </p:style>
+          <p:txBody>
+            <a:bodyPr rtlCol="0" anchor="ctr"/>
+            <a:lstStyle/>
+            <a:p>
+              <a:pPr algn="ctr"/>
+              <a:endParaRPr lang="pt-BR"/>
+            </a:p>
+          </p:txBody>
+        </p:sp>
+        <p:sp>
+          <p:nvSpPr>
+            <p:cNvPr id="50" name="Elipse 113"/>
+            <p:cNvSpPr/>
+            <p:nvPr/>
+          </p:nvSpPr>
+          <p:spPr>
+            <a:xfrm>
+              <a:off x="2779278" y="3253214"/>
+              <a:ext cx="761965" cy="777265"/>
+            </a:xfrm>
+            <a:custGeom>
+              <a:avLst/>
+              <a:gdLst/>
+              <a:ahLst/>
+              <a:cxnLst/>
+              <a:rect l="l" t="t" r="r" b="b"/>
+              <a:pathLst>
+                <a:path w="761965" h="777265">
+                  <a:moveTo>
+                    <a:pt x="0" y="0"/>
+                  </a:moveTo>
+                  <a:lnTo>
+                    <a:pt x="412364" y="0"/>
+                  </a:lnTo>
+                  <a:cubicBezTo>
+                    <a:pt x="436555" y="181728"/>
+                    <a:pt x="580184" y="325249"/>
+                    <a:pt x="761965" y="349260"/>
+                  </a:cubicBezTo>
+                  <a:lnTo>
+                    <a:pt x="761965" y="777265"/>
+                  </a:lnTo>
+                  <a:cubicBezTo>
+                    <a:pt x="350059" y="746692"/>
+                    <a:pt x="22442" y="414060"/>
+                    <a:pt x="0" y="0"/>
+                  </a:cubicBezTo>
+                  <a:close/>
+                </a:path>
+              </a:pathLst>
+            </a:custGeom>
+            <a:solidFill>
+              <a:srgbClr val="858215"/>
+            </a:solidFill>
+            <a:ln>
+              <a:solidFill>
+                <a:schemeClr val="tx1">
+                  <a:lumMod val="75000"/>
+                  <a:lumOff val="25000"/>
+                </a:schemeClr>
+              </a:solidFill>
+            </a:ln>
+          </p:spPr>
+          <p:style>
+            <a:lnRef idx="2">
+              <a:schemeClr val="accent1">
+                <a:shade val="50000"/>
+              </a:schemeClr>
+            </a:lnRef>
+            <a:fillRef idx="1">
+              <a:schemeClr val="accent1"/>
+            </a:fillRef>
+            <a:effectRef idx="0">
+              <a:schemeClr val="accent1"/>
+            </a:effectRef>
+            <a:fontRef idx="minor">
+              <a:schemeClr val="lt1"/>
+            </a:fontRef>
+          </p:style>
+          <p:txBody>
+            <a:bodyPr rtlCol="0" anchor="ctr"/>
+            <a:lstStyle/>
+            <a:p>
+              <a:pPr algn="ctr"/>
+              <a:endParaRPr lang="pt-BR"/>
+            </a:p>
+          </p:txBody>
+        </p:sp>
+        <p:sp>
+          <p:nvSpPr>
+            <p:cNvPr id="51" name="Elipse 113"/>
+            <p:cNvSpPr/>
+            <p:nvPr/>
+          </p:nvSpPr>
+          <p:spPr>
+            <a:xfrm>
+              <a:off x="2781556" y="2380731"/>
+              <a:ext cx="759687" cy="737545"/>
+            </a:xfrm>
+            <a:custGeom>
+              <a:avLst/>
+              <a:gdLst/>
+              <a:ahLst/>
+              <a:cxnLst/>
+              <a:rect l="l" t="t" r="r" b="b"/>
+              <a:pathLst>
+                <a:path w="759687" h="737545">
+                  <a:moveTo>
+                    <a:pt x="759687" y="0"/>
+                  </a:moveTo>
+                  <a:lnTo>
+                    <a:pt x="759687" y="405531"/>
+                  </a:lnTo>
+                  <a:cubicBezTo>
+                    <a:pt x="583654" y="428726"/>
+                    <a:pt x="443410" y="564093"/>
+                    <a:pt x="411825" y="737545"/>
+                  </a:cubicBezTo>
+                  <a:lnTo>
+                    <a:pt x="0" y="737545"/>
+                  </a:lnTo>
+                  <a:cubicBezTo>
+                    <a:pt x="41318" y="342127"/>
+                    <a:pt x="361023" y="29565"/>
+                    <a:pt x="759687" y="0"/>
+                  </a:cubicBezTo>
+                  <a:close/>
+                </a:path>
+              </a:pathLst>
+            </a:custGeom>
+            <a:solidFill>
+              <a:srgbClr val="60D141"/>
+            </a:solidFill>
+            <a:ln>
+              <a:solidFill>
+                <a:schemeClr val="tx1">
+                  <a:lumMod val="75000"/>
+                  <a:lumOff val="25000"/>
+                </a:schemeClr>
+              </a:solidFill>
+            </a:ln>
+          </p:spPr>
+          <p:style>
+            <a:lnRef idx="2">
+              <a:schemeClr val="accent1">
+                <a:shade val="50000"/>
+              </a:schemeClr>
+            </a:lnRef>
+            <a:fillRef idx="1">
+              <a:schemeClr val="accent1"/>
+            </a:fillRef>
+            <a:effectRef idx="0">
+              <a:schemeClr val="accent1"/>
+            </a:effectRef>
+            <a:fontRef idx="minor">
+              <a:schemeClr val="lt1"/>
+            </a:fontRef>
+          </p:style>
+          <p:txBody>
+            <a:bodyPr rtlCol="0" anchor="ctr"/>
+            <a:lstStyle/>
+            <a:p>
+              <a:pPr algn="ctr"/>
+              <a:endParaRPr lang="pt-BR"/>
+            </a:p>
+          </p:txBody>
+        </p:sp>
+        <p:sp>
+          <p:nvSpPr>
+            <p:cNvPr id="52" name="Elipse 51"/>
+            <p:cNvSpPr/>
+            <p:nvPr/>
+          </p:nvSpPr>
+          <p:spPr>
+            <a:xfrm>
+              <a:off x="3284968" y="2889401"/>
+              <a:ext cx="632406" cy="632406"/>
+            </a:xfrm>
+            <a:prstGeom prst="ellipse">
+              <a:avLst/>
+            </a:prstGeom>
+            <a:solidFill>
+              <a:schemeClr val="bg1">
+                <a:lumMod val="85000"/>
+              </a:schemeClr>
+            </a:solidFill>
+            <a:ln>
+              <a:solidFill>
+                <a:schemeClr val="tx1">
+                  <a:lumMod val="65000"/>
+                  <a:lumOff val="35000"/>
+                </a:schemeClr>
+              </a:solidFill>
+            </a:ln>
+          </p:spPr>
+          <p:style>
+            <a:lnRef idx="2">
+              <a:schemeClr val="accent1">
+                <a:shade val="50000"/>
+              </a:schemeClr>
+            </a:lnRef>
+            <a:fillRef idx="1">
+              <a:schemeClr val="accent1"/>
+            </a:fillRef>
+            <a:effectRef idx="0">
+              <a:schemeClr val="accent1"/>
+            </a:effectRef>
+            <a:fontRef idx="minor">
+              <a:schemeClr val="lt1"/>
+            </a:fontRef>
+          </p:style>
+          <p:txBody>
+            <a:bodyPr rtlCol="0" anchor="ctr"/>
+            <a:lstStyle/>
+            <a:p>
+              <a:pPr algn="ctr"/>
+              <a:endParaRPr lang="pt-BR"/>
+            </a:p>
+          </p:txBody>
+        </p:sp>
+        <p:sp>
+          <p:nvSpPr>
+            <p:cNvPr id="53" name="Retângulo de cantos arredondados 52"/>
+            <p:cNvSpPr/>
+            <p:nvPr/>
+          </p:nvSpPr>
+          <p:spPr>
+            <a:xfrm>
+              <a:off x="3508624" y="3325541"/>
+              <a:ext cx="185093" cy="82407"/>
+            </a:xfrm>
+            <a:prstGeom prst="roundRect">
+              <a:avLst>
+                <a:gd name="adj" fmla="val 50000"/>
+              </a:avLst>
+            </a:prstGeom>
+            <a:solidFill>
+              <a:schemeClr val="tx1">
+                <a:lumMod val="85000"/>
+                <a:lumOff val="15000"/>
+              </a:schemeClr>
+            </a:solidFill>
+            <a:ln>
+              <a:noFill/>
+            </a:ln>
+          </p:spPr>
+          <p:style>
+            <a:lnRef idx="2">
+              <a:schemeClr val="accent1">
+                <a:shade val="50000"/>
+              </a:schemeClr>
+            </a:lnRef>
+            <a:fillRef idx="1">
+              <a:schemeClr val="accent1"/>
+            </a:fillRef>
+            <a:effectRef idx="0">
+              <a:schemeClr val="accent1"/>
+            </a:effectRef>
+            <a:fontRef idx="minor">
+              <a:schemeClr val="lt1"/>
+            </a:fontRef>
+          </p:style>
+          <p:txBody>
+            <a:bodyPr rtlCol="0" anchor="ctr"/>
+            <a:lstStyle/>
+            <a:p>
+              <a:pPr algn="ctr"/>
+              <a:endParaRPr lang="pt-BR"/>
+            </a:p>
+          </p:txBody>
+        </p:sp>
+        <p:sp>
+          <p:nvSpPr>
+            <p:cNvPr id="54" name="Elipse 53"/>
+            <p:cNvSpPr/>
+            <p:nvPr/>
+          </p:nvSpPr>
+          <p:spPr>
+            <a:xfrm>
+              <a:off x="3563615" y="3144340"/>
+              <a:ext cx="88752" cy="88752"/>
+            </a:xfrm>
+            <a:prstGeom prst="ellipse">
+              <a:avLst/>
+            </a:prstGeom>
+            <a:solidFill>
+              <a:srgbClr val="D73B3B"/>
+            </a:solidFill>
+            <a:ln>
+              <a:noFill/>
+            </a:ln>
+          </p:spPr>
+          <p:style>
+            <a:lnRef idx="2">
+              <a:schemeClr val="accent1">
+                <a:shade val="50000"/>
+              </a:schemeClr>
+            </a:lnRef>
+            <a:fillRef idx="1">
+              <a:schemeClr val="accent1"/>
+            </a:fillRef>
+            <a:effectRef idx="0">
+              <a:schemeClr val="accent1"/>
+            </a:effectRef>
+            <a:fontRef idx="minor">
+              <a:schemeClr val="lt1"/>
+            </a:fontRef>
+          </p:style>
+          <p:txBody>
+            <a:bodyPr rtlCol="0" anchor="ctr"/>
+            <a:lstStyle/>
+            <a:p>
+              <a:pPr algn="ctr"/>
+              <a:endParaRPr lang="pt-BR"/>
+            </a:p>
+          </p:txBody>
+        </p:sp>
+        <p:sp>
+          <p:nvSpPr>
+            <p:cNvPr id="55" name="Elipse 54"/>
+            <p:cNvSpPr/>
+            <p:nvPr/>
+          </p:nvSpPr>
+          <p:spPr>
+            <a:xfrm>
+              <a:off x="3693717" y="3145764"/>
+              <a:ext cx="88752" cy="88752"/>
+            </a:xfrm>
+            <a:prstGeom prst="ellipse">
+              <a:avLst/>
+            </a:prstGeom>
+            <a:solidFill>
+              <a:srgbClr val="00B0F0"/>
+            </a:solidFill>
+            <a:ln>
+              <a:noFill/>
+            </a:ln>
+          </p:spPr>
+          <p:style>
+            <a:lnRef idx="2">
+              <a:schemeClr val="accent1">
+                <a:shade val="50000"/>
+              </a:schemeClr>
+            </a:lnRef>
+            <a:fillRef idx="1">
+              <a:schemeClr val="accent1"/>
+            </a:fillRef>
+            <a:effectRef idx="0">
+              <a:schemeClr val="accent1"/>
+            </a:effectRef>
+            <a:fontRef idx="minor">
+              <a:schemeClr val="lt1"/>
+            </a:fontRef>
+          </p:style>
+          <p:txBody>
+            <a:bodyPr rtlCol="0" anchor="ctr"/>
+            <a:lstStyle/>
+            <a:p>
+              <a:pPr algn="ctr"/>
+              <a:endParaRPr lang="pt-BR"/>
+            </a:p>
+          </p:txBody>
+        </p:sp>
+        <p:sp>
+          <p:nvSpPr>
+            <p:cNvPr id="56" name="Elipse 55"/>
             <p:cNvSpPr/>
             <p:nvPr/>
           </p:nvSpPr>
